--- a/프레젠테이션1.pptx
+++ b/프레젠테이션1.pptx
@@ -11,9 +11,9 @@
     <p:sldId id="259" r:id="rId5"/>
     <p:sldId id="260" r:id="rId6"/>
     <p:sldId id="261" r:id="rId7"/>
-    <p:sldId id="262" r:id="rId8"/>
-    <p:sldId id="263" r:id="rId9"/>
-    <p:sldId id="264" r:id="rId10"/>
+    <p:sldId id="264" r:id="rId8"/>
+    <p:sldId id="262" r:id="rId9"/>
+    <p:sldId id="263" r:id="rId10"/>
     <p:sldId id="265" r:id="rId11"/>
     <p:sldId id="266" r:id="rId12"/>
     <p:sldId id="267" r:id="rId13"/>
@@ -25,9 +25,6 @@
     <p:sldId id="273" r:id="rId19"/>
     <p:sldId id="274" r:id="rId20"/>
     <p:sldId id="275" r:id="rId21"/>
-    <p:sldId id="276" r:id="rId22"/>
-    <p:sldId id="277" r:id="rId23"/>
-    <p:sldId id="278" r:id="rId24"/>
   </p:sldIdLst>
   <p:sldSz cx="12192000" cy="6858000"/>
   <p:notesSz cx="6858000" cy="9144000"/>
@@ -258,9 +255,9 @@
           <a:bodyPr/>
           <a:lstStyle/>
           <a:p>
-            <a:fld id="{FB7BEE6A-D609-49FB-9631-361733ACD132}" type="datetimeFigureOut">
-              <a:rPr lang="ko-KR" altLang="en-US" smtClean="0"/>
-              <a:t>2021-09-09</a:t>
+            <a:fld id="{4D436F8C-2B2D-4574-8F34-BE54AE683BA6}" type="datetimeFigureOut">
+              <a:rPr lang="ko-KR" altLang="en-US" smtClean="0"/>
+              <a:t>2021-09-10</a:t>
             </a:fld>
             <a:endParaRPr lang="ko-KR" altLang="en-US"/>
           </a:p>
@@ -300,7 +297,7 @@
           <a:bodyPr/>
           <a:lstStyle/>
           <a:p>
-            <a:fld id="{F6784FF2-B970-4E22-8CE7-470A42AFE44D}" type="slidenum">
+            <a:fld id="{C68B86CA-A2AC-4AFD-9332-10E328C8C3C6}" type="slidenum">
               <a:rPr lang="ko-KR" altLang="en-US" smtClean="0"/>
               <a:t>‹#›</a:t>
             </a:fld>
@@ -311,7 +308,7 @@
     </p:spTree>
     <p:extLst>
       <p:ext uri="{BB962C8B-B14F-4D97-AF65-F5344CB8AC3E}">
-        <p14:creationId xmlns:p14="http://schemas.microsoft.com/office/powerpoint/2010/main" val="3907825807"/>
+        <p14:creationId xmlns:p14="http://schemas.microsoft.com/office/powerpoint/2010/main" val="2642761355"/>
       </p:ext>
     </p:extLst>
   </p:cSld>
@@ -428,9 +425,9 @@
           <a:bodyPr/>
           <a:lstStyle/>
           <a:p>
-            <a:fld id="{FB7BEE6A-D609-49FB-9631-361733ACD132}" type="datetimeFigureOut">
-              <a:rPr lang="ko-KR" altLang="en-US" smtClean="0"/>
-              <a:t>2021-09-09</a:t>
+            <a:fld id="{4D436F8C-2B2D-4574-8F34-BE54AE683BA6}" type="datetimeFigureOut">
+              <a:rPr lang="ko-KR" altLang="en-US" smtClean="0"/>
+              <a:t>2021-09-10</a:t>
             </a:fld>
             <a:endParaRPr lang="ko-KR" altLang="en-US"/>
           </a:p>
@@ -470,7 +467,7 @@
           <a:bodyPr/>
           <a:lstStyle/>
           <a:p>
-            <a:fld id="{F6784FF2-B970-4E22-8CE7-470A42AFE44D}" type="slidenum">
+            <a:fld id="{C68B86CA-A2AC-4AFD-9332-10E328C8C3C6}" type="slidenum">
               <a:rPr lang="ko-KR" altLang="en-US" smtClean="0"/>
               <a:t>‹#›</a:t>
             </a:fld>
@@ -481,7 +478,7 @@
     </p:spTree>
     <p:extLst>
       <p:ext uri="{BB962C8B-B14F-4D97-AF65-F5344CB8AC3E}">
-        <p14:creationId xmlns:p14="http://schemas.microsoft.com/office/powerpoint/2010/main" val="4109225544"/>
+        <p14:creationId xmlns:p14="http://schemas.microsoft.com/office/powerpoint/2010/main" val="1798277011"/>
       </p:ext>
     </p:extLst>
   </p:cSld>
@@ -608,9 +605,9 @@
           <a:bodyPr/>
           <a:lstStyle/>
           <a:p>
-            <a:fld id="{FB7BEE6A-D609-49FB-9631-361733ACD132}" type="datetimeFigureOut">
-              <a:rPr lang="ko-KR" altLang="en-US" smtClean="0"/>
-              <a:t>2021-09-09</a:t>
+            <a:fld id="{4D436F8C-2B2D-4574-8F34-BE54AE683BA6}" type="datetimeFigureOut">
+              <a:rPr lang="ko-KR" altLang="en-US" smtClean="0"/>
+              <a:t>2021-09-10</a:t>
             </a:fld>
             <a:endParaRPr lang="ko-KR" altLang="en-US"/>
           </a:p>
@@ -650,7 +647,7 @@
           <a:bodyPr/>
           <a:lstStyle/>
           <a:p>
-            <a:fld id="{F6784FF2-B970-4E22-8CE7-470A42AFE44D}" type="slidenum">
+            <a:fld id="{C68B86CA-A2AC-4AFD-9332-10E328C8C3C6}" type="slidenum">
               <a:rPr lang="ko-KR" altLang="en-US" smtClean="0"/>
               <a:t>‹#›</a:t>
             </a:fld>
@@ -661,7 +658,7 @@
     </p:spTree>
     <p:extLst>
       <p:ext uri="{BB962C8B-B14F-4D97-AF65-F5344CB8AC3E}">
-        <p14:creationId xmlns:p14="http://schemas.microsoft.com/office/powerpoint/2010/main" val="3677290746"/>
+        <p14:creationId xmlns:p14="http://schemas.microsoft.com/office/powerpoint/2010/main" val="503810134"/>
       </p:ext>
     </p:extLst>
   </p:cSld>
@@ -778,9 +775,9 @@
           <a:bodyPr/>
           <a:lstStyle/>
           <a:p>
-            <a:fld id="{FB7BEE6A-D609-49FB-9631-361733ACD132}" type="datetimeFigureOut">
-              <a:rPr lang="ko-KR" altLang="en-US" smtClean="0"/>
-              <a:t>2021-09-09</a:t>
+            <a:fld id="{4D436F8C-2B2D-4574-8F34-BE54AE683BA6}" type="datetimeFigureOut">
+              <a:rPr lang="ko-KR" altLang="en-US" smtClean="0"/>
+              <a:t>2021-09-10</a:t>
             </a:fld>
             <a:endParaRPr lang="ko-KR" altLang="en-US"/>
           </a:p>
@@ -820,7 +817,7 @@
           <a:bodyPr/>
           <a:lstStyle/>
           <a:p>
-            <a:fld id="{F6784FF2-B970-4E22-8CE7-470A42AFE44D}" type="slidenum">
+            <a:fld id="{C68B86CA-A2AC-4AFD-9332-10E328C8C3C6}" type="slidenum">
               <a:rPr lang="ko-KR" altLang="en-US" smtClean="0"/>
               <a:t>‹#›</a:t>
             </a:fld>
@@ -831,7 +828,7 @@
     </p:spTree>
     <p:extLst>
       <p:ext uri="{BB962C8B-B14F-4D97-AF65-F5344CB8AC3E}">
-        <p14:creationId xmlns:p14="http://schemas.microsoft.com/office/powerpoint/2010/main" val="3669259671"/>
+        <p14:creationId xmlns:p14="http://schemas.microsoft.com/office/powerpoint/2010/main" val="94753593"/>
       </p:ext>
     </p:extLst>
   </p:cSld>
@@ -1024,9 +1021,9 @@
           <a:bodyPr/>
           <a:lstStyle/>
           <a:p>
-            <a:fld id="{FB7BEE6A-D609-49FB-9631-361733ACD132}" type="datetimeFigureOut">
-              <a:rPr lang="ko-KR" altLang="en-US" smtClean="0"/>
-              <a:t>2021-09-09</a:t>
+            <a:fld id="{4D436F8C-2B2D-4574-8F34-BE54AE683BA6}" type="datetimeFigureOut">
+              <a:rPr lang="ko-KR" altLang="en-US" smtClean="0"/>
+              <a:t>2021-09-10</a:t>
             </a:fld>
             <a:endParaRPr lang="ko-KR" altLang="en-US"/>
           </a:p>
@@ -1066,7 +1063,7 @@
           <a:bodyPr/>
           <a:lstStyle/>
           <a:p>
-            <a:fld id="{F6784FF2-B970-4E22-8CE7-470A42AFE44D}" type="slidenum">
+            <a:fld id="{C68B86CA-A2AC-4AFD-9332-10E328C8C3C6}" type="slidenum">
               <a:rPr lang="ko-KR" altLang="en-US" smtClean="0"/>
               <a:t>‹#›</a:t>
             </a:fld>
@@ -1077,7 +1074,7 @@
     </p:spTree>
     <p:extLst>
       <p:ext uri="{BB962C8B-B14F-4D97-AF65-F5344CB8AC3E}">
-        <p14:creationId xmlns:p14="http://schemas.microsoft.com/office/powerpoint/2010/main" val="1569481828"/>
+        <p14:creationId xmlns:p14="http://schemas.microsoft.com/office/powerpoint/2010/main" val="3619864176"/>
       </p:ext>
     </p:extLst>
   </p:cSld>
@@ -1256,9 +1253,9 @@
           <a:bodyPr/>
           <a:lstStyle/>
           <a:p>
-            <a:fld id="{FB7BEE6A-D609-49FB-9631-361733ACD132}" type="datetimeFigureOut">
-              <a:rPr lang="ko-KR" altLang="en-US" smtClean="0"/>
-              <a:t>2021-09-09</a:t>
+            <a:fld id="{4D436F8C-2B2D-4574-8F34-BE54AE683BA6}" type="datetimeFigureOut">
+              <a:rPr lang="ko-KR" altLang="en-US" smtClean="0"/>
+              <a:t>2021-09-10</a:t>
             </a:fld>
             <a:endParaRPr lang="ko-KR" altLang="en-US"/>
           </a:p>
@@ -1298,7 +1295,7 @@
           <a:bodyPr/>
           <a:lstStyle/>
           <a:p>
-            <a:fld id="{F6784FF2-B970-4E22-8CE7-470A42AFE44D}" type="slidenum">
+            <a:fld id="{C68B86CA-A2AC-4AFD-9332-10E328C8C3C6}" type="slidenum">
               <a:rPr lang="ko-KR" altLang="en-US" smtClean="0"/>
               <a:t>‹#›</a:t>
             </a:fld>
@@ -1309,7 +1306,7 @@
     </p:spTree>
     <p:extLst>
       <p:ext uri="{BB962C8B-B14F-4D97-AF65-F5344CB8AC3E}">
-        <p14:creationId xmlns:p14="http://schemas.microsoft.com/office/powerpoint/2010/main" val="1695399904"/>
+        <p14:creationId xmlns:p14="http://schemas.microsoft.com/office/powerpoint/2010/main" val="1487014562"/>
       </p:ext>
     </p:extLst>
   </p:cSld>
@@ -1623,9 +1620,9 @@
           <a:bodyPr/>
           <a:lstStyle/>
           <a:p>
-            <a:fld id="{FB7BEE6A-D609-49FB-9631-361733ACD132}" type="datetimeFigureOut">
-              <a:rPr lang="ko-KR" altLang="en-US" smtClean="0"/>
-              <a:t>2021-09-09</a:t>
+            <a:fld id="{4D436F8C-2B2D-4574-8F34-BE54AE683BA6}" type="datetimeFigureOut">
+              <a:rPr lang="ko-KR" altLang="en-US" smtClean="0"/>
+              <a:t>2021-09-10</a:t>
             </a:fld>
             <a:endParaRPr lang="ko-KR" altLang="en-US"/>
           </a:p>
@@ -1665,7 +1662,7 @@
           <a:bodyPr/>
           <a:lstStyle/>
           <a:p>
-            <a:fld id="{F6784FF2-B970-4E22-8CE7-470A42AFE44D}" type="slidenum">
+            <a:fld id="{C68B86CA-A2AC-4AFD-9332-10E328C8C3C6}" type="slidenum">
               <a:rPr lang="ko-KR" altLang="en-US" smtClean="0"/>
               <a:t>‹#›</a:t>
             </a:fld>
@@ -1676,7 +1673,7 @@
     </p:spTree>
     <p:extLst>
       <p:ext uri="{BB962C8B-B14F-4D97-AF65-F5344CB8AC3E}">
-        <p14:creationId xmlns:p14="http://schemas.microsoft.com/office/powerpoint/2010/main" val="728353023"/>
+        <p14:creationId xmlns:p14="http://schemas.microsoft.com/office/powerpoint/2010/main" val="3275446165"/>
       </p:ext>
     </p:extLst>
   </p:cSld>
@@ -1741,9 +1738,9 @@
           <a:bodyPr/>
           <a:lstStyle/>
           <a:p>
-            <a:fld id="{FB7BEE6A-D609-49FB-9631-361733ACD132}" type="datetimeFigureOut">
-              <a:rPr lang="ko-KR" altLang="en-US" smtClean="0"/>
-              <a:t>2021-09-09</a:t>
+            <a:fld id="{4D436F8C-2B2D-4574-8F34-BE54AE683BA6}" type="datetimeFigureOut">
+              <a:rPr lang="ko-KR" altLang="en-US" smtClean="0"/>
+              <a:t>2021-09-10</a:t>
             </a:fld>
             <a:endParaRPr lang="ko-KR" altLang="en-US"/>
           </a:p>
@@ -1783,7 +1780,7 @@
           <a:bodyPr/>
           <a:lstStyle/>
           <a:p>
-            <a:fld id="{F6784FF2-B970-4E22-8CE7-470A42AFE44D}" type="slidenum">
+            <a:fld id="{C68B86CA-A2AC-4AFD-9332-10E328C8C3C6}" type="slidenum">
               <a:rPr lang="ko-KR" altLang="en-US" smtClean="0"/>
               <a:t>‹#›</a:t>
             </a:fld>
@@ -1794,7 +1791,7 @@
     </p:spTree>
     <p:extLst>
       <p:ext uri="{BB962C8B-B14F-4D97-AF65-F5344CB8AC3E}">
-        <p14:creationId xmlns:p14="http://schemas.microsoft.com/office/powerpoint/2010/main" val="930856903"/>
+        <p14:creationId xmlns:p14="http://schemas.microsoft.com/office/powerpoint/2010/main" val="3198199527"/>
       </p:ext>
     </p:extLst>
   </p:cSld>
@@ -1836,9 +1833,9 @@
           <a:bodyPr/>
           <a:lstStyle/>
           <a:p>
-            <a:fld id="{FB7BEE6A-D609-49FB-9631-361733ACD132}" type="datetimeFigureOut">
-              <a:rPr lang="ko-KR" altLang="en-US" smtClean="0"/>
-              <a:t>2021-09-09</a:t>
+            <a:fld id="{4D436F8C-2B2D-4574-8F34-BE54AE683BA6}" type="datetimeFigureOut">
+              <a:rPr lang="ko-KR" altLang="en-US" smtClean="0"/>
+              <a:t>2021-09-10</a:t>
             </a:fld>
             <a:endParaRPr lang="ko-KR" altLang="en-US"/>
           </a:p>
@@ -1878,7 +1875,7 @@
           <a:bodyPr/>
           <a:lstStyle/>
           <a:p>
-            <a:fld id="{F6784FF2-B970-4E22-8CE7-470A42AFE44D}" type="slidenum">
+            <a:fld id="{C68B86CA-A2AC-4AFD-9332-10E328C8C3C6}" type="slidenum">
               <a:rPr lang="ko-KR" altLang="en-US" smtClean="0"/>
               <a:t>‹#›</a:t>
             </a:fld>
@@ -1889,7 +1886,7 @@
     </p:spTree>
     <p:extLst>
       <p:ext uri="{BB962C8B-B14F-4D97-AF65-F5344CB8AC3E}">
-        <p14:creationId xmlns:p14="http://schemas.microsoft.com/office/powerpoint/2010/main" val="252713058"/>
+        <p14:creationId xmlns:p14="http://schemas.microsoft.com/office/powerpoint/2010/main" val="772981857"/>
       </p:ext>
     </p:extLst>
   </p:cSld>
@@ -2113,9 +2110,9 @@
           <a:bodyPr/>
           <a:lstStyle/>
           <a:p>
-            <a:fld id="{FB7BEE6A-D609-49FB-9631-361733ACD132}" type="datetimeFigureOut">
-              <a:rPr lang="ko-KR" altLang="en-US" smtClean="0"/>
-              <a:t>2021-09-09</a:t>
+            <a:fld id="{4D436F8C-2B2D-4574-8F34-BE54AE683BA6}" type="datetimeFigureOut">
+              <a:rPr lang="ko-KR" altLang="en-US" smtClean="0"/>
+              <a:t>2021-09-10</a:t>
             </a:fld>
             <a:endParaRPr lang="ko-KR" altLang="en-US"/>
           </a:p>
@@ -2155,7 +2152,7 @@
           <a:bodyPr/>
           <a:lstStyle/>
           <a:p>
-            <a:fld id="{F6784FF2-B970-4E22-8CE7-470A42AFE44D}" type="slidenum">
+            <a:fld id="{C68B86CA-A2AC-4AFD-9332-10E328C8C3C6}" type="slidenum">
               <a:rPr lang="ko-KR" altLang="en-US" smtClean="0"/>
               <a:t>‹#›</a:t>
             </a:fld>
@@ -2166,7 +2163,7 @@
     </p:spTree>
     <p:extLst>
       <p:ext uri="{BB962C8B-B14F-4D97-AF65-F5344CB8AC3E}">
-        <p14:creationId xmlns:p14="http://schemas.microsoft.com/office/powerpoint/2010/main" val="983412063"/>
+        <p14:creationId xmlns:p14="http://schemas.microsoft.com/office/powerpoint/2010/main" val="3539613048"/>
       </p:ext>
     </p:extLst>
   </p:cSld>
@@ -2366,9 +2363,9 @@
           <a:bodyPr/>
           <a:lstStyle/>
           <a:p>
-            <a:fld id="{FB7BEE6A-D609-49FB-9631-361733ACD132}" type="datetimeFigureOut">
-              <a:rPr lang="ko-KR" altLang="en-US" smtClean="0"/>
-              <a:t>2021-09-09</a:t>
+            <a:fld id="{4D436F8C-2B2D-4574-8F34-BE54AE683BA6}" type="datetimeFigureOut">
+              <a:rPr lang="ko-KR" altLang="en-US" smtClean="0"/>
+              <a:t>2021-09-10</a:t>
             </a:fld>
             <a:endParaRPr lang="ko-KR" altLang="en-US"/>
           </a:p>
@@ -2408,7 +2405,7 @@
           <a:bodyPr/>
           <a:lstStyle/>
           <a:p>
-            <a:fld id="{F6784FF2-B970-4E22-8CE7-470A42AFE44D}" type="slidenum">
+            <a:fld id="{C68B86CA-A2AC-4AFD-9332-10E328C8C3C6}" type="slidenum">
               <a:rPr lang="ko-KR" altLang="en-US" smtClean="0"/>
               <a:t>‹#›</a:t>
             </a:fld>
@@ -2419,7 +2416,7 @@
     </p:spTree>
     <p:extLst>
       <p:ext uri="{BB962C8B-B14F-4D97-AF65-F5344CB8AC3E}">
-        <p14:creationId xmlns:p14="http://schemas.microsoft.com/office/powerpoint/2010/main" val="2651273271"/>
+        <p14:creationId xmlns:p14="http://schemas.microsoft.com/office/powerpoint/2010/main" val="3369843944"/>
       </p:ext>
     </p:extLst>
   </p:cSld>
@@ -2579,9 +2576,9 @@
             </a:lvl1pPr>
           </a:lstStyle>
           <a:p>
-            <a:fld id="{FB7BEE6A-D609-49FB-9631-361733ACD132}" type="datetimeFigureOut">
-              <a:rPr lang="ko-KR" altLang="en-US" smtClean="0"/>
-              <a:t>2021-09-09</a:t>
+            <a:fld id="{4D436F8C-2B2D-4574-8F34-BE54AE683BA6}" type="datetimeFigureOut">
+              <a:rPr lang="ko-KR" altLang="en-US" smtClean="0"/>
+              <a:t>2021-09-10</a:t>
             </a:fld>
             <a:endParaRPr lang="ko-KR" altLang="en-US"/>
           </a:p>
@@ -2657,7 +2654,7 @@
             </a:lvl1pPr>
           </a:lstStyle>
           <a:p>
-            <a:fld id="{F6784FF2-B970-4E22-8CE7-470A42AFE44D}" type="slidenum">
+            <a:fld id="{C68B86CA-A2AC-4AFD-9332-10E328C8C3C6}" type="slidenum">
               <a:rPr lang="ko-KR" altLang="en-US" smtClean="0"/>
               <a:t>‹#›</a:t>
             </a:fld>
@@ -2668,7 +2665,7 @@
     </p:spTree>
     <p:extLst>
       <p:ext uri="{BB962C8B-B14F-4D97-AF65-F5344CB8AC3E}">
-        <p14:creationId xmlns:p14="http://schemas.microsoft.com/office/powerpoint/2010/main" val="1362587687"/>
+        <p14:creationId xmlns:p14="http://schemas.microsoft.com/office/powerpoint/2010/main" val="3029678206"/>
       </p:ext>
     </p:extLst>
   </p:cSld>
@@ -3002,8 +2999,8 @@
         </p:blipFill>
         <p:spPr>
           <a:xfrm>
-            <a:off x="2791191" y="1306024"/>
-            <a:ext cx="6029325" cy="4562475"/>
+            <a:off x="3376221" y="991774"/>
+            <a:ext cx="5038725" cy="4248150"/>
           </a:xfrm>
           <a:prstGeom prst="rect">
             <a:avLst/>
@@ -3013,7 +3010,7 @@
     </p:spTree>
     <p:extLst>
       <p:ext uri="{BB962C8B-B14F-4D97-AF65-F5344CB8AC3E}">
-        <p14:creationId xmlns:p14="http://schemas.microsoft.com/office/powerpoint/2010/main" val="4233024372"/>
+        <p14:creationId xmlns:p14="http://schemas.microsoft.com/office/powerpoint/2010/main" val="499004970"/>
       </p:ext>
     </p:extLst>
   </p:cSld>
@@ -3040,33 +3037,10 @@
           <a:chExt cx="0" cy="0"/>
         </a:xfrm>
       </p:grpSpPr>
-      <p:pic>
-        <p:nvPicPr>
-          <p:cNvPr id="2" name="그림 1"/>
-          <p:cNvPicPr>
-            <a:picLocks noChangeAspect="1"/>
-          </p:cNvPicPr>
-          <p:nvPr/>
-        </p:nvPicPr>
-        <p:blipFill rotWithShape="1">
-          <a:blip r:embed="rId2"/>
-          <a:srcRect l="8545" t="34295" r="7891" b="33490"/>
-          <a:stretch/>
-        </p:blipFill>
-        <p:spPr>
-          <a:xfrm>
-            <a:off x="2948940" y="2537460"/>
-            <a:ext cx="6343650" cy="1828800"/>
-          </a:xfrm>
-          <a:prstGeom prst="rect">
-            <a:avLst/>
-          </a:prstGeom>
-        </p:spPr>
-      </p:pic>
     </p:spTree>
     <p:extLst>
       <p:ext uri="{BB962C8B-B14F-4D97-AF65-F5344CB8AC3E}">
-        <p14:creationId xmlns:p14="http://schemas.microsoft.com/office/powerpoint/2010/main" val="2472743001"/>
+        <p14:creationId xmlns:p14="http://schemas.microsoft.com/office/powerpoint/2010/main" val="3277310869"/>
       </p:ext>
     </p:extLst>
   </p:cSld>
@@ -3093,33 +3067,10 @@
           <a:chExt cx="0" cy="0"/>
         </a:xfrm>
       </p:grpSpPr>
-      <p:pic>
-        <p:nvPicPr>
-          <p:cNvPr id="2" name="그림 1"/>
-          <p:cNvPicPr>
-            <a:picLocks noChangeAspect="1"/>
-          </p:cNvPicPr>
-          <p:nvPr/>
-        </p:nvPicPr>
-        <p:blipFill rotWithShape="1">
-          <a:blip r:embed="rId2"/>
-          <a:srcRect l="1558" t="23669" r="1658" b="22663"/>
-          <a:stretch/>
-        </p:blipFill>
-        <p:spPr>
-          <a:xfrm>
-            <a:off x="2377440" y="1893570"/>
-            <a:ext cx="7338060" cy="3051810"/>
-          </a:xfrm>
-          <a:prstGeom prst="rect">
-            <a:avLst/>
-          </a:prstGeom>
-        </p:spPr>
-      </p:pic>
     </p:spTree>
     <p:extLst>
       <p:ext uri="{BB962C8B-B14F-4D97-AF65-F5344CB8AC3E}">
-        <p14:creationId xmlns:p14="http://schemas.microsoft.com/office/powerpoint/2010/main" val="1295134012"/>
+        <p14:creationId xmlns:p14="http://schemas.microsoft.com/office/powerpoint/2010/main" val="3576252990"/>
       </p:ext>
     </p:extLst>
   </p:cSld>
@@ -3146,33 +3097,10 @@
           <a:chExt cx="0" cy="0"/>
         </a:xfrm>
       </p:grpSpPr>
-      <p:pic>
-        <p:nvPicPr>
-          <p:cNvPr id="2" name="그림 1"/>
-          <p:cNvPicPr>
-            <a:picLocks noChangeAspect="1"/>
-          </p:cNvPicPr>
-          <p:nvPr/>
-        </p:nvPicPr>
-        <p:blipFill rotWithShape="1">
-          <a:blip r:embed="rId2"/>
-          <a:srcRect l="3308" t="29035" r="2654" b="36422"/>
-          <a:stretch/>
-        </p:blipFill>
-        <p:spPr>
-          <a:xfrm>
-            <a:off x="2560321" y="2228850"/>
-            <a:ext cx="7120890" cy="1977390"/>
-          </a:xfrm>
-          <a:prstGeom prst="rect">
-            <a:avLst/>
-          </a:prstGeom>
-        </p:spPr>
-      </p:pic>
     </p:spTree>
     <p:extLst>
       <p:ext uri="{BB962C8B-B14F-4D97-AF65-F5344CB8AC3E}">
-        <p14:creationId xmlns:p14="http://schemas.microsoft.com/office/powerpoint/2010/main" val="2777983138"/>
+        <p14:creationId xmlns:p14="http://schemas.microsoft.com/office/powerpoint/2010/main" val="1899586923"/>
       </p:ext>
     </p:extLst>
   </p:cSld>
@@ -3199,33 +3127,10 @@
           <a:chExt cx="0" cy="0"/>
         </a:xfrm>
       </p:grpSpPr>
-      <p:pic>
-        <p:nvPicPr>
-          <p:cNvPr id="2" name="그림 1"/>
-          <p:cNvPicPr>
-            <a:picLocks noChangeAspect="1"/>
-          </p:cNvPicPr>
-          <p:nvPr/>
-        </p:nvPicPr>
-        <p:blipFill rotWithShape="1">
-          <a:blip r:embed="rId2"/>
-          <a:srcRect l="2732" t="23580" r="2531" b="27815"/>
-          <a:stretch/>
-        </p:blipFill>
-        <p:spPr>
-          <a:xfrm>
-            <a:off x="2503169" y="1931669"/>
-            <a:ext cx="7200901" cy="2754631"/>
-          </a:xfrm>
-          <a:prstGeom prst="rect">
-            <a:avLst/>
-          </a:prstGeom>
-        </p:spPr>
-      </p:pic>
     </p:spTree>
     <p:extLst>
       <p:ext uri="{BB962C8B-B14F-4D97-AF65-F5344CB8AC3E}">
-        <p14:creationId xmlns:p14="http://schemas.microsoft.com/office/powerpoint/2010/main" val="3918663808"/>
+        <p14:creationId xmlns:p14="http://schemas.microsoft.com/office/powerpoint/2010/main" val="3257661772"/>
       </p:ext>
     </p:extLst>
   </p:cSld>
@@ -3252,33 +3157,10 @@
           <a:chExt cx="0" cy="0"/>
         </a:xfrm>
       </p:grpSpPr>
-      <p:pic>
-        <p:nvPicPr>
-          <p:cNvPr id="2" name="그림 1"/>
-          <p:cNvPicPr>
-            <a:picLocks noChangeAspect="1"/>
-          </p:cNvPicPr>
-          <p:nvPr/>
-        </p:nvPicPr>
-        <p:blipFill rotWithShape="1">
-          <a:blip r:embed="rId2"/>
-          <a:srcRect l="3842" t="28694" r="3042" b="36935"/>
-          <a:stretch/>
-        </p:blipFill>
-        <p:spPr>
-          <a:xfrm>
-            <a:off x="2583181" y="2217420"/>
-            <a:ext cx="7086600" cy="1954530"/>
-          </a:xfrm>
-          <a:prstGeom prst="rect">
-            <a:avLst/>
-          </a:prstGeom>
-        </p:spPr>
-      </p:pic>
     </p:spTree>
     <p:extLst>
       <p:ext uri="{BB962C8B-B14F-4D97-AF65-F5344CB8AC3E}">
-        <p14:creationId xmlns:p14="http://schemas.microsoft.com/office/powerpoint/2010/main" val="832481394"/>
+        <p14:creationId xmlns:p14="http://schemas.microsoft.com/office/powerpoint/2010/main" val="1093074087"/>
       </p:ext>
     </p:extLst>
   </p:cSld>
@@ -3305,33 +3187,10 @@
           <a:chExt cx="0" cy="0"/>
         </a:xfrm>
       </p:grpSpPr>
-      <p:pic>
-        <p:nvPicPr>
-          <p:cNvPr id="2" name="그림 1"/>
-          <p:cNvPicPr>
-            <a:picLocks noChangeAspect="1"/>
-          </p:cNvPicPr>
-          <p:nvPr/>
-        </p:nvPicPr>
-        <p:blipFill rotWithShape="1">
-          <a:blip r:embed="rId2"/>
-          <a:srcRect l="3000" t="24113" r="2951" b="27927"/>
-          <a:stretch/>
-        </p:blipFill>
-        <p:spPr>
-          <a:xfrm>
-            <a:off x="2514600" y="1954530"/>
-            <a:ext cx="7166610" cy="2731770"/>
-          </a:xfrm>
-          <a:prstGeom prst="rect">
-            <a:avLst/>
-          </a:prstGeom>
-        </p:spPr>
-      </p:pic>
     </p:spTree>
     <p:extLst>
       <p:ext uri="{BB962C8B-B14F-4D97-AF65-F5344CB8AC3E}">
-        <p14:creationId xmlns:p14="http://schemas.microsoft.com/office/powerpoint/2010/main" val="1637681104"/>
+        <p14:creationId xmlns:p14="http://schemas.microsoft.com/office/powerpoint/2010/main" val="857749722"/>
       </p:ext>
     </p:extLst>
   </p:cSld>
@@ -3358,33 +3217,10 @@
           <a:chExt cx="0" cy="0"/>
         </a:xfrm>
       </p:grpSpPr>
-      <p:pic>
-        <p:nvPicPr>
-          <p:cNvPr id="2" name="그림 1"/>
-          <p:cNvPicPr>
-            <a:picLocks noChangeAspect="1"/>
-          </p:cNvPicPr>
-          <p:nvPr/>
-        </p:nvPicPr>
-        <p:blipFill rotWithShape="1">
-          <a:blip r:embed="rId2"/>
-          <a:srcRect l="2791" t="18241" r="2891" b="22865"/>
-          <a:stretch/>
-        </p:blipFill>
-        <p:spPr>
-          <a:xfrm>
-            <a:off x="2503171" y="1623060"/>
-            <a:ext cx="7178040" cy="3348990"/>
-          </a:xfrm>
-          <a:prstGeom prst="rect">
-            <a:avLst/>
-          </a:prstGeom>
-        </p:spPr>
-      </p:pic>
     </p:spTree>
     <p:extLst>
       <p:ext uri="{BB962C8B-B14F-4D97-AF65-F5344CB8AC3E}">
-        <p14:creationId xmlns:p14="http://schemas.microsoft.com/office/powerpoint/2010/main" val="690070865"/>
+        <p14:creationId xmlns:p14="http://schemas.microsoft.com/office/powerpoint/2010/main" val="3396564423"/>
       </p:ext>
     </p:extLst>
   </p:cSld>
@@ -3411,33 +3247,10 @@
           <a:chExt cx="0" cy="0"/>
         </a:xfrm>
       </p:grpSpPr>
-      <p:pic>
-        <p:nvPicPr>
-          <p:cNvPr id="2" name="그림 1"/>
-          <p:cNvPicPr>
-            <a:picLocks noChangeAspect="1"/>
-          </p:cNvPicPr>
-          <p:nvPr/>
-        </p:nvPicPr>
-        <p:blipFill rotWithShape="1">
-          <a:blip r:embed="rId2"/>
-          <a:srcRect l="3785" t="18442" r="3884" b="25478"/>
-          <a:stretch/>
-        </p:blipFill>
-        <p:spPr>
-          <a:xfrm>
-            <a:off x="2583180" y="1634490"/>
-            <a:ext cx="7018020" cy="3188970"/>
-          </a:xfrm>
-          <a:prstGeom prst="rect">
-            <a:avLst/>
-          </a:prstGeom>
-        </p:spPr>
-      </p:pic>
     </p:spTree>
     <p:extLst>
       <p:ext uri="{BB962C8B-B14F-4D97-AF65-F5344CB8AC3E}">
-        <p14:creationId xmlns:p14="http://schemas.microsoft.com/office/powerpoint/2010/main" val="2266620486"/>
+        <p14:creationId xmlns:p14="http://schemas.microsoft.com/office/powerpoint/2010/main" val="1673890141"/>
       </p:ext>
     </p:extLst>
   </p:cSld>
@@ -3464,33 +3277,10 @@
           <a:chExt cx="0" cy="0"/>
         </a:xfrm>
       </p:grpSpPr>
-      <p:pic>
-        <p:nvPicPr>
-          <p:cNvPr id="2" name="그림 1"/>
-          <p:cNvPicPr>
-            <a:picLocks noChangeAspect="1"/>
-          </p:cNvPicPr>
-          <p:nvPr/>
-        </p:nvPicPr>
-        <p:blipFill rotWithShape="1">
-          <a:blip r:embed="rId2"/>
-          <a:srcRect l="2699" t="28910" r="2833" b="27874"/>
-          <a:stretch/>
-        </p:blipFill>
-        <p:spPr>
-          <a:xfrm>
-            <a:off x="2091689" y="2194559"/>
-            <a:ext cx="7189471" cy="2457451"/>
-          </a:xfrm>
-          <a:prstGeom prst="rect">
-            <a:avLst/>
-          </a:prstGeom>
-        </p:spPr>
-      </p:pic>
     </p:spTree>
     <p:extLst>
       <p:ext uri="{BB962C8B-B14F-4D97-AF65-F5344CB8AC3E}">
-        <p14:creationId xmlns:p14="http://schemas.microsoft.com/office/powerpoint/2010/main" val="4045583848"/>
+        <p14:creationId xmlns:p14="http://schemas.microsoft.com/office/powerpoint/2010/main" val="469320746"/>
       </p:ext>
     </p:extLst>
   </p:cSld>
@@ -3517,33 +3307,10 @@
           <a:chExt cx="0" cy="0"/>
         </a:xfrm>
       </p:grpSpPr>
-      <p:pic>
-        <p:nvPicPr>
-          <p:cNvPr id="2" name="그림 1"/>
-          <p:cNvPicPr>
-            <a:picLocks noChangeAspect="1"/>
-          </p:cNvPicPr>
-          <p:nvPr/>
-        </p:nvPicPr>
-        <p:blipFill rotWithShape="1">
-          <a:blip r:embed="rId2"/>
-          <a:srcRect l="1648" t="23580" r="2051" b="31042"/>
-          <a:stretch/>
-        </p:blipFill>
-        <p:spPr>
-          <a:xfrm>
-            <a:off x="1920239" y="1783081"/>
-            <a:ext cx="7292341" cy="2571750"/>
-          </a:xfrm>
-          <a:prstGeom prst="rect">
-            <a:avLst/>
-          </a:prstGeom>
-        </p:spPr>
-      </p:pic>
     </p:spTree>
     <p:extLst>
       <p:ext uri="{BB962C8B-B14F-4D97-AF65-F5344CB8AC3E}">
-        <p14:creationId xmlns:p14="http://schemas.microsoft.com/office/powerpoint/2010/main" val="751835855"/>
+        <p14:creationId xmlns:p14="http://schemas.microsoft.com/office/powerpoint/2010/main" val="1654564538"/>
       </p:ext>
     </p:extLst>
   </p:cSld>
@@ -3586,8 +3353,32 @@
         </p:blipFill>
         <p:spPr>
           <a:xfrm>
-            <a:off x="2343150" y="700087"/>
-            <a:ext cx="7505700" cy="5457825"/>
+            <a:off x="461636" y="964634"/>
+            <a:ext cx="6057900" cy="4552950"/>
+          </a:xfrm>
+          <a:prstGeom prst="rect">
+            <a:avLst/>
+          </a:prstGeom>
+        </p:spPr>
+      </p:pic>
+      <p:pic>
+        <p:nvPicPr>
+          <p:cNvPr id="3" name="그림 2"/>
+          <p:cNvPicPr>
+            <a:picLocks noChangeAspect="1"/>
+          </p:cNvPicPr>
+          <p:nvPr/>
+        </p:nvPicPr>
+        <p:blipFill>
+          <a:blip r:embed="rId3"/>
+          <a:stretch>
+            <a:fillRect/>
+          </a:stretch>
+        </p:blipFill>
+        <p:spPr>
+          <a:xfrm>
+            <a:off x="5180490" y="2129294"/>
+            <a:ext cx="6791325" cy="1847850"/>
           </a:xfrm>
           <a:prstGeom prst="rect">
             <a:avLst/>
@@ -3597,7 +3388,7 @@
     </p:spTree>
     <p:extLst>
       <p:ext uri="{BB962C8B-B14F-4D97-AF65-F5344CB8AC3E}">
-        <p14:creationId xmlns:p14="http://schemas.microsoft.com/office/powerpoint/2010/main" val="987629795"/>
+        <p14:creationId xmlns:p14="http://schemas.microsoft.com/office/powerpoint/2010/main" val="1118370970"/>
       </p:ext>
     </p:extLst>
   </p:cSld>
@@ -3624,193 +3415,10 @@
           <a:chExt cx="0" cy="0"/>
         </a:xfrm>
       </p:grpSpPr>
-      <p:pic>
-        <p:nvPicPr>
-          <p:cNvPr id="2" name="그림 1"/>
-          <p:cNvPicPr>
-            <a:picLocks noChangeAspect="1"/>
-          </p:cNvPicPr>
-          <p:nvPr/>
-        </p:nvPicPr>
-        <p:blipFill rotWithShape="1">
-          <a:blip r:embed="rId2"/>
-          <a:srcRect l="1980" t="18241" r="1780" b="22865"/>
-          <a:stretch/>
-        </p:blipFill>
-        <p:spPr>
-          <a:xfrm>
-            <a:off x="2446020" y="1623060"/>
-            <a:ext cx="7315200" cy="3348990"/>
-          </a:xfrm>
-          <a:prstGeom prst="rect">
-            <a:avLst/>
-          </a:prstGeom>
-        </p:spPr>
-      </p:pic>
     </p:spTree>
     <p:extLst>
       <p:ext uri="{BB962C8B-B14F-4D97-AF65-F5344CB8AC3E}">
-        <p14:creationId xmlns:p14="http://schemas.microsoft.com/office/powerpoint/2010/main" val="422087976"/>
-      </p:ext>
-    </p:extLst>
-  </p:cSld>
-  <p:clrMapOvr>
-    <a:masterClrMapping/>
-  </p:clrMapOvr>
-</p:sld>
-</file>
-
-<file path=ppt/slides/slide21.xml><?xml version="1.0" encoding="utf-8"?>
-<p:sld xmlns:a="http://schemas.openxmlformats.org/drawingml/2006/main" xmlns:r="http://schemas.openxmlformats.org/officeDocument/2006/relationships" xmlns:p="http://schemas.openxmlformats.org/presentationml/2006/main">
-  <p:cSld>
-    <p:spTree>
-      <p:nvGrpSpPr>
-        <p:cNvPr id="1" name=""/>
-        <p:cNvGrpSpPr/>
-        <p:nvPr/>
-      </p:nvGrpSpPr>
-      <p:grpSpPr>
-        <a:xfrm>
-          <a:off x="0" y="0"/>
-          <a:ext cx="0" cy="0"/>
-          <a:chOff x="0" y="0"/>
-          <a:chExt cx="0" cy="0"/>
-        </a:xfrm>
-      </p:grpSpPr>
-      <p:pic>
-        <p:nvPicPr>
-          <p:cNvPr id="2" name="그림 1"/>
-          <p:cNvPicPr>
-            <a:picLocks noChangeAspect="1"/>
-          </p:cNvPicPr>
-          <p:nvPr/>
-        </p:nvPicPr>
-        <p:blipFill rotWithShape="1">
-          <a:blip r:embed="rId2"/>
-          <a:srcRect l="2705" t="29192" r="2352" b="27374"/>
-          <a:stretch/>
-        </p:blipFill>
-        <p:spPr>
-          <a:xfrm>
-            <a:off x="2514599" y="2251710"/>
-            <a:ext cx="7189471" cy="2457450"/>
-          </a:xfrm>
-          <a:prstGeom prst="rect">
-            <a:avLst/>
-          </a:prstGeom>
-        </p:spPr>
-      </p:pic>
-    </p:spTree>
-    <p:extLst>
-      <p:ext uri="{BB962C8B-B14F-4D97-AF65-F5344CB8AC3E}">
-        <p14:creationId xmlns:p14="http://schemas.microsoft.com/office/powerpoint/2010/main" val="1741088981"/>
-      </p:ext>
-    </p:extLst>
-  </p:cSld>
-  <p:clrMapOvr>
-    <a:masterClrMapping/>
-  </p:clrMapOvr>
-</p:sld>
-</file>
-
-<file path=ppt/slides/slide22.xml><?xml version="1.0" encoding="utf-8"?>
-<p:sld xmlns:a="http://schemas.openxmlformats.org/drawingml/2006/main" xmlns:r="http://schemas.openxmlformats.org/officeDocument/2006/relationships" xmlns:p="http://schemas.openxmlformats.org/presentationml/2006/main">
-  <p:cSld>
-    <p:spTree>
-      <p:nvGrpSpPr>
-        <p:cNvPr id="1" name=""/>
-        <p:cNvGrpSpPr/>
-        <p:nvPr/>
-      </p:nvGrpSpPr>
-      <p:grpSpPr>
-        <a:xfrm>
-          <a:off x="0" y="0"/>
-          <a:ext cx="0" cy="0"/>
-          <a:chOff x="0" y="0"/>
-          <a:chExt cx="0" cy="0"/>
-        </a:xfrm>
-      </p:grpSpPr>
-      <p:pic>
-        <p:nvPicPr>
-          <p:cNvPr id="2" name="그림 1"/>
-          <p:cNvPicPr>
-            <a:picLocks noChangeAspect="1"/>
-          </p:cNvPicPr>
-          <p:nvPr/>
-        </p:nvPicPr>
-        <p:blipFill rotWithShape="1">
-          <a:blip r:embed="rId2"/>
-          <a:srcRect l="2403" t="34147" r="2653" b="36154"/>
-          <a:stretch/>
-        </p:blipFill>
-        <p:spPr>
-          <a:xfrm>
-            <a:off x="2491739" y="2526030"/>
-            <a:ext cx="7189471" cy="1691640"/>
-          </a:xfrm>
-          <a:prstGeom prst="rect">
-            <a:avLst/>
-          </a:prstGeom>
-        </p:spPr>
-      </p:pic>
-    </p:spTree>
-    <p:extLst>
-      <p:ext uri="{BB962C8B-B14F-4D97-AF65-F5344CB8AC3E}">
-        <p14:creationId xmlns:p14="http://schemas.microsoft.com/office/powerpoint/2010/main" val="4204775766"/>
-      </p:ext>
-    </p:extLst>
-  </p:cSld>
-  <p:clrMapOvr>
-    <a:masterClrMapping/>
-  </p:clrMapOvr>
-</p:sld>
-</file>
-
-<file path=ppt/slides/slide23.xml><?xml version="1.0" encoding="utf-8"?>
-<p:sld xmlns:a="http://schemas.openxmlformats.org/drawingml/2006/main" xmlns:r="http://schemas.openxmlformats.org/officeDocument/2006/relationships" xmlns:p="http://schemas.openxmlformats.org/presentationml/2006/main">
-  <p:cSld>
-    <p:spTree>
-      <p:nvGrpSpPr>
-        <p:cNvPr id="1" name=""/>
-        <p:cNvGrpSpPr/>
-        <p:nvPr/>
-      </p:nvGrpSpPr>
-      <p:grpSpPr>
-        <a:xfrm>
-          <a:off x="0" y="0"/>
-          <a:ext cx="0" cy="0"/>
-          <a:chOff x="0" y="0"/>
-          <a:chExt cx="0" cy="0"/>
-        </a:xfrm>
-      </p:grpSpPr>
-      <p:pic>
-        <p:nvPicPr>
-          <p:cNvPr id="2" name="그림 1"/>
-          <p:cNvPicPr>
-            <a:picLocks noChangeAspect="1"/>
-          </p:cNvPicPr>
-          <p:nvPr/>
-        </p:nvPicPr>
-        <p:blipFill>
-          <a:blip r:embed="rId2"/>
-          <a:stretch>
-            <a:fillRect/>
-          </a:stretch>
-        </p:blipFill>
-        <p:spPr>
-          <a:xfrm>
-            <a:off x="2281237" y="1171575"/>
-            <a:ext cx="7629525" cy="4514850"/>
-          </a:xfrm>
-          <a:prstGeom prst="rect">
-            <a:avLst/>
-          </a:prstGeom>
-        </p:spPr>
-      </p:pic>
-    </p:spTree>
-    <p:extLst>
-      <p:ext uri="{BB962C8B-B14F-4D97-AF65-F5344CB8AC3E}">
-        <p14:creationId xmlns:p14="http://schemas.microsoft.com/office/powerpoint/2010/main" val="3285981462"/>
+        <p14:creationId xmlns:p14="http://schemas.microsoft.com/office/powerpoint/2010/main" val="3881390722"/>
       </p:ext>
     </p:extLst>
   </p:cSld>
@@ -3845,64 +3453,15 @@
           </p:cNvPicPr>
           <p:nvPr/>
         </p:nvPicPr>
-        <p:blipFill>
+        <p:blipFill rotWithShape="1">
           <a:blip r:embed="rId2"/>
-          <a:stretch>
-            <a:fillRect/>
-          </a:stretch>
+          <a:srcRect l="-57"/>
+          <a:stretch/>
         </p:blipFill>
         <p:spPr>
           <a:xfrm>
-            <a:off x="646821" y="607034"/>
-            <a:ext cx="7467600" cy="5057775"/>
-          </a:xfrm>
-          <a:prstGeom prst="rect">
-            <a:avLst/>
-          </a:prstGeom>
-        </p:spPr>
-      </p:pic>
-      <p:pic>
-        <p:nvPicPr>
-          <p:cNvPr id="3" name="그림 2"/>
-          <p:cNvPicPr>
-            <a:picLocks noChangeAspect="1"/>
-          </p:cNvPicPr>
-          <p:nvPr/>
-        </p:nvPicPr>
-        <p:blipFill>
-          <a:blip r:embed="rId3"/>
-          <a:stretch>
-            <a:fillRect/>
-          </a:stretch>
-        </p:blipFill>
-        <p:spPr>
-          <a:xfrm>
-            <a:off x="1983398" y="715473"/>
-            <a:ext cx="7562850" cy="5457825"/>
-          </a:xfrm>
-          <a:prstGeom prst="rect">
-            <a:avLst/>
-          </a:prstGeom>
-        </p:spPr>
-      </p:pic>
-      <p:pic>
-        <p:nvPicPr>
-          <p:cNvPr id="4" name="그림 3"/>
-          <p:cNvPicPr>
-            <a:picLocks noChangeAspect="1"/>
-          </p:cNvPicPr>
-          <p:nvPr/>
-        </p:nvPicPr>
-        <p:blipFill>
-          <a:blip r:embed="rId4"/>
-          <a:stretch>
-            <a:fillRect/>
-          </a:stretch>
-        </p:blipFill>
-        <p:spPr>
-          <a:xfrm>
-            <a:off x="4413958" y="607034"/>
-            <a:ext cx="7400925" cy="5334000"/>
+            <a:off x="1465546" y="730228"/>
+            <a:ext cx="7252634" cy="5172075"/>
           </a:xfrm>
           <a:prstGeom prst="rect">
             <a:avLst/>
@@ -3912,7 +3471,7 @@
     </p:spTree>
     <p:extLst>
       <p:ext uri="{BB962C8B-B14F-4D97-AF65-F5344CB8AC3E}">
-        <p14:creationId xmlns:p14="http://schemas.microsoft.com/office/powerpoint/2010/main" val="1731300317"/>
+        <p14:creationId xmlns:p14="http://schemas.microsoft.com/office/powerpoint/2010/main" val="2370949990"/>
       </p:ext>
     </p:extLst>
   </p:cSld>
@@ -3947,15 +3506,16 @@
           </p:cNvPicPr>
           <p:nvPr/>
         </p:nvPicPr>
-        <p:blipFill rotWithShape="1">
+        <p:blipFill>
           <a:blip r:embed="rId2"/>
-          <a:srcRect l="2076" t="5578" r="1923" b="14763"/>
-          <a:stretch/>
+          <a:stretch>
+            <a:fillRect/>
+          </a:stretch>
         </p:blipFill>
         <p:spPr>
           <a:xfrm>
-            <a:off x="2171699" y="914400"/>
-            <a:ext cx="7315201" cy="4446270"/>
+            <a:off x="2405911" y="2496397"/>
+            <a:ext cx="7029450" cy="1514475"/>
           </a:xfrm>
           <a:prstGeom prst="rect">
             <a:avLst/>
@@ -3965,7 +3525,7 @@
     </p:spTree>
     <p:extLst>
       <p:ext uri="{BB962C8B-B14F-4D97-AF65-F5344CB8AC3E}">
-        <p14:creationId xmlns:p14="http://schemas.microsoft.com/office/powerpoint/2010/main" val="2315235820"/>
+        <p14:creationId xmlns:p14="http://schemas.microsoft.com/office/powerpoint/2010/main" val="100277993"/>
       </p:ext>
     </p:extLst>
   </p:cSld>
@@ -4002,13 +3562,13 @@
         </p:nvPicPr>
         <p:blipFill rotWithShape="1">
           <a:blip r:embed="rId2"/>
-          <a:srcRect l="2087" t="34496" r="3002" b="35757"/>
+          <a:srcRect l="182"/>
           <a:stretch/>
         </p:blipFill>
         <p:spPr>
           <a:xfrm>
-            <a:off x="795066" y="405113"/>
-            <a:ext cx="7178040" cy="1680210"/>
+            <a:off x="225468" y="750517"/>
+            <a:ext cx="7244871" cy="5181600"/>
           </a:xfrm>
           <a:prstGeom prst="rect">
             <a:avLst/>
@@ -4023,38 +3583,16 @@
           </p:cNvPicPr>
           <p:nvPr/>
         </p:nvPicPr>
-        <p:blipFill rotWithShape="1">
+        <p:blipFill>
           <a:blip r:embed="rId3"/>
-          <a:srcRect l="1316" t="2098" r="2139" b="4287"/>
-          <a:stretch/>
+          <a:stretch>
+            <a:fillRect/>
+          </a:stretch>
         </p:blipFill>
         <p:spPr>
           <a:xfrm>
-            <a:off x="1861411" y="889843"/>
-            <a:ext cx="7338349" cy="5359079"/>
-          </a:xfrm>
-          <a:prstGeom prst="rect">
-            <a:avLst/>
-          </a:prstGeom>
-        </p:spPr>
-      </p:pic>
-      <p:pic>
-        <p:nvPicPr>
-          <p:cNvPr id="4" name="그림 3"/>
-          <p:cNvPicPr>
-            <a:picLocks noChangeAspect="1"/>
-          </p:cNvPicPr>
-          <p:nvPr/>
-        </p:nvPicPr>
-        <p:blipFill rotWithShape="1">
-          <a:blip r:embed="rId4"/>
-          <a:srcRect l="9721" t="7509" r="8912" b="9379"/>
-          <a:stretch/>
-        </p:blipFill>
-        <p:spPr>
-          <a:xfrm>
-            <a:off x="5060178" y="278580"/>
-            <a:ext cx="6192456" cy="4734047"/>
+            <a:off x="6583926" y="1913351"/>
+            <a:ext cx="4829175" cy="1828800"/>
           </a:xfrm>
           <a:prstGeom prst="rect">
             <a:avLst/>
@@ -4064,7 +3602,7 @@
     </p:spTree>
     <p:extLst>
       <p:ext uri="{BB962C8B-B14F-4D97-AF65-F5344CB8AC3E}">
-        <p14:creationId xmlns:p14="http://schemas.microsoft.com/office/powerpoint/2010/main" val="1430965871"/>
+        <p14:creationId xmlns:p14="http://schemas.microsoft.com/office/powerpoint/2010/main" val="422094576"/>
       </p:ext>
     </p:extLst>
   </p:cSld>
@@ -4093,21 +3631,148 @@
       </p:grpSpPr>
       <p:pic>
         <p:nvPicPr>
-          <p:cNvPr id="2" name="그림 1"/>
+          <p:cNvPr id="4" name="그림 3"/>
           <p:cNvPicPr>
             <a:picLocks noChangeAspect="1"/>
           </p:cNvPicPr>
           <p:nvPr/>
         </p:nvPicPr>
-        <p:blipFill rotWithShape="1">
+        <p:blipFill>
           <a:blip r:embed="rId2"/>
-          <a:srcRect l="5247" t="40223" r="3829" b="39556"/>
-          <a:stretch/>
+          <a:stretch>
+            <a:fillRect/>
+          </a:stretch>
         </p:blipFill>
         <p:spPr>
           <a:xfrm>
-            <a:off x="2164466" y="2858947"/>
-            <a:ext cx="7326775" cy="1215342"/>
+            <a:off x="438803" y="1081739"/>
+            <a:ext cx="7105650" cy="2314575"/>
+          </a:xfrm>
+          <a:prstGeom prst="rect">
+            <a:avLst/>
+          </a:prstGeom>
+        </p:spPr>
+      </p:pic>
+      <p:pic>
+        <p:nvPicPr>
+          <p:cNvPr id="5" name="그림 4"/>
+          <p:cNvPicPr>
+            <a:picLocks noChangeAspect="1"/>
+          </p:cNvPicPr>
+          <p:nvPr/>
+        </p:nvPicPr>
+        <p:blipFill>
+          <a:blip r:embed="rId3"/>
+          <a:stretch>
+            <a:fillRect/>
+          </a:stretch>
+        </p:blipFill>
+        <p:spPr>
+          <a:xfrm>
+            <a:off x="2125053" y="2403496"/>
+            <a:ext cx="7115175" cy="2276475"/>
+          </a:xfrm>
+          <a:prstGeom prst="rect">
+            <a:avLst/>
+          </a:prstGeom>
+        </p:spPr>
+      </p:pic>
+      <p:pic>
+        <p:nvPicPr>
+          <p:cNvPr id="6" name="그림 5"/>
+          <p:cNvPicPr>
+            <a:picLocks noChangeAspect="1"/>
+          </p:cNvPicPr>
+          <p:nvPr/>
+        </p:nvPicPr>
+        <p:blipFill>
+          <a:blip r:embed="rId4"/>
+          <a:stretch>
+            <a:fillRect/>
+          </a:stretch>
+        </p:blipFill>
+        <p:spPr>
+          <a:xfrm>
+            <a:off x="4454438" y="3213643"/>
+            <a:ext cx="6877050" cy="1800225"/>
+          </a:xfrm>
+          <a:prstGeom prst="rect">
+            <a:avLst/>
+          </a:prstGeom>
+        </p:spPr>
+      </p:pic>
+      <p:pic>
+        <p:nvPicPr>
+          <p:cNvPr id="7" name="그림 6"/>
+          <p:cNvPicPr>
+            <a:picLocks noChangeAspect="1"/>
+          </p:cNvPicPr>
+          <p:nvPr/>
+        </p:nvPicPr>
+        <p:blipFill>
+          <a:blip r:embed="rId5"/>
+          <a:stretch>
+            <a:fillRect/>
+          </a:stretch>
+        </p:blipFill>
+        <p:spPr>
+          <a:xfrm>
+            <a:off x="438803" y="4200329"/>
+            <a:ext cx="6343650" cy="1914525"/>
+          </a:xfrm>
+          <a:prstGeom prst="rect">
+            <a:avLst/>
+          </a:prstGeom>
+        </p:spPr>
+      </p:pic>
+      <p:sp>
+        <p:nvSpPr>
+          <p:cNvPr id="8" name="TextBox 7"/>
+          <p:cNvSpPr txBox="1"/>
+          <p:nvPr/>
+        </p:nvSpPr>
+        <p:spPr>
+          <a:xfrm>
+            <a:off x="889348" y="6375748"/>
+            <a:ext cx="1349985" cy="369332"/>
+          </a:xfrm>
+          <a:prstGeom prst="rect">
+            <a:avLst/>
+          </a:prstGeom>
+          <a:noFill/>
+        </p:spPr>
+        <p:txBody>
+          <a:bodyPr wrap="none" rtlCol="0">
+            <a:spAutoFit/>
+          </a:bodyPr>
+          <a:lstStyle/>
+          <a:p>
+            <a:r>
+              <a:rPr lang="en-US" altLang="ko-KR" dirty="0" smtClean="0"/>
+              <a:t>Opaseni!23</a:t>
+            </a:r>
+            <a:endParaRPr lang="ko-KR" altLang="en-US" dirty="0"/>
+          </a:p>
+        </p:txBody>
+      </p:sp>
+      <p:pic>
+        <p:nvPicPr>
+          <p:cNvPr id="9" name="그림 8"/>
+          <p:cNvPicPr>
+            <a:picLocks noChangeAspect="1"/>
+          </p:cNvPicPr>
+          <p:nvPr/>
+        </p:nvPicPr>
+        <p:blipFill>
+          <a:blip r:embed="rId6"/>
+          <a:stretch>
+            <a:fillRect/>
+          </a:stretch>
+        </p:blipFill>
+        <p:spPr>
+          <a:xfrm>
+            <a:off x="5778413" y="4832370"/>
+            <a:ext cx="5553075" cy="1971675"/>
           </a:xfrm>
           <a:prstGeom prst="rect">
             <a:avLst/>
@@ -4117,7 +3782,7 @@
     </p:spTree>
     <p:extLst>
       <p:ext uri="{BB962C8B-B14F-4D97-AF65-F5344CB8AC3E}">
-        <p14:creationId xmlns:p14="http://schemas.microsoft.com/office/powerpoint/2010/main" val="4047853389"/>
+        <p14:creationId xmlns:p14="http://schemas.microsoft.com/office/powerpoint/2010/main" val="139300239"/>
       </p:ext>
     </p:extLst>
   </p:cSld>
@@ -4152,15 +3817,40 @@
           </p:cNvPicPr>
           <p:nvPr/>
         </p:nvPicPr>
-        <p:blipFill rotWithShape="1">
+        <p:blipFill>
           <a:blip r:embed="rId2"/>
-          <a:srcRect l="2391" t="28546" r="3264" b="28830"/>
-          <a:stretch/>
+          <a:stretch>
+            <a:fillRect/>
+          </a:stretch>
         </p:blipFill>
         <p:spPr>
           <a:xfrm>
-            <a:off x="1187707" y="1924436"/>
-            <a:ext cx="7153155" cy="2407534"/>
+            <a:off x="841396" y="714245"/>
+            <a:ext cx="7077075" cy="2247900"/>
+          </a:xfrm>
+          <a:prstGeom prst="rect">
+            <a:avLst/>
+          </a:prstGeom>
+        </p:spPr>
+      </p:pic>
+      <p:pic>
+        <p:nvPicPr>
+          <p:cNvPr id="3" name="그림 2"/>
+          <p:cNvPicPr>
+            <a:picLocks noChangeAspect="1"/>
+          </p:cNvPicPr>
+          <p:nvPr/>
+        </p:nvPicPr>
+        <p:blipFill>
+          <a:blip r:embed="rId3"/>
+          <a:stretch>
+            <a:fillRect/>
+          </a:stretch>
+        </p:blipFill>
+        <p:spPr>
+          <a:xfrm>
+            <a:off x="2118006" y="1838195"/>
+            <a:ext cx="7229475" cy="2733675"/>
           </a:xfrm>
           <a:prstGeom prst="rect">
             <a:avLst/>
@@ -4170,7 +3860,7 @@
     </p:spTree>
     <p:extLst>
       <p:ext uri="{BB962C8B-B14F-4D97-AF65-F5344CB8AC3E}">
-        <p14:creationId xmlns:p14="http://schemas.microsoft.com/office/powerpoint/2010/main" val="2342754225"/>
+        <p14:creationId xmlns:p14="http://schemas.microsoft.com/office/powerpoint/2010/main" val="2608049726"/>
       </p:ext>
     </p:extLst>
   </p:cSld>
@@ -4199,90 +3889,22 @@
       </p:grpSpPr>
       <p:pic>
         <p:nvPicPr>
-          <p:cNvPr id="2" name="그림 1"/>
-          <p:cNvPicPr>
-            <a:picLocks noChangeAspect="1"/>
-          </p:cNvPicPr>
-          <p:nvPr/>
-        </p:nvPicPr>
-        <p:blipFill rotWithShape="1">
-          <a:blip r:embed="rId2"/>
-          <a:srcRect l="2422" t="22841" r="2546" b="30345"/>
-          <a:stretch/>
-        </p:blipFill>
-        <p:spPr>
-          <a:xfrm>
-            <a:off x="411480" y="571668"/>
-            <a:ext cx="7178040" cy="2617470"/>
-          </a:xfrm>
-          <a:prstGeom prst="rect">
-            <a:avLst/>
-          </a:prstGeom>
-        </p:spPr>
-      </p:pic>
-      <p:pic>
-        <p:nvPicPr>
-          <p:cNvPr id="3" name="그림 2"/>
-          <p:cNvPicPr>
-            <a:picLocks noChangeAspect="1"/>
-          </p:cNvPicPr>
-          <p:nvPr/>
-        </p:nvPicPr>
-        <p:blipFill rotWithShape="1">
-          <a:blip r:embed="rId3"/>
-          <a:srcRect l="2662" t="28553" r="2902" b="33871"/>
-          <a:stretch/>
-        </p:blipFill>
-        <p:spPr>
-          <a:xfrm>
-            <a:off x="3402000" y="1541488"/>
-            <a:ext cx="7178040" cy="2125981"/>
-          </a:xfrm>
-          <a:prstGeom prst="rect">
-            <a:avLst/>
-          </a:prstGeom>
-        </p:spPr>
-      </p:pic>
-      <p:pic>
-        <p:nvPicPr>
-          <p:cNvPr id="4" name="그림 3"/>
-          <p:cNvPicPr>
-            <a:picLocks noChangeAspect="1"/>
-          </p:cNvPicPr>
-          <p:nvPr/>
-        </p:nvPicPr>
-        <p:blipFill rotWithShape="1">
-          <a:blip r:embed="rId4"/>
-          <a:srcRect l="2650" t="29447" r="2796" b="30954"/>
-          <a:stretch/>
-        </p:blipFill>
-        <p:spPr>
-          <a:xfrm>
-            <a:off x="411480" y="3511434"/>
-            <a:ext cx="7178040" cy="2251710"/>
-          </a:xfrm>
-          <a:prstGeom prst="rect">
-            <a:avLst/>
-          </a:prstGeom>
-        </p:spPr>
-      </p:pic>
-      <p:pic>
-        <p:nvPicPr>
           <p:cNvPr id="5" name="그림 4"/>
           <p:cNvPicPr>
             <a:picLocks noChangeAspect="1"/>
           </p:cNvPicPr>
           <p:nvPr/>
         </p:nvPicPr>
-        <p:blipFill rotWithShape="1">
-          <a:blip r:embed="rId5"/>
-          <a:srcRect l="7529" t="28463" r="7315" b="33949"/>
-          <a:stretch/>
+        <p:blipFill>
+          <a:blip r:embed="rId2"/>
+          <a:stretch>
+            <a:fillRect/>
+          </a:stretch>
         </p:blipFill>
         <p:spPr>
           <a:xfrm>
-            <a:off x="5459730" y="4432128"/>
-            <a:ext cx="6480810" cy="2137410"/>
+            <a:off x="799186" y="1100920"/>
+            <a:ext cx="6610350" cy="1800225"/>
           </a:xfrm>
           <a:prstGeom prst="rect">
             <a:avLst/>
@@ -4292,7 +3914,7 @@
     </p:spTree>
     <p:extLst>
       <p:ext uri="{BB962C8B-B14F-4D97-AF65-F5344CB8AC3E}">
-        <p14:creationId xmlns:p14="http://schemas.microsoft.com/office/powerpoint/2010/main" val="591354264"/>
+        <p14:creationId xmlns:p14="http://schemas.microsoft.com/office/powerpoint/2010/main" val="4047318385"/>
       </p:ext>
     </p:extLst>
   </p:cSld>
@@ -4327,15 +3949,16 @@
           </p:cNvPicPr>
           <p:nvPr/>
         </p:nvPicPr>
-        <p:blipFill rotWithShape="1">
+        <p:blipFill>
           <a:blip r:embed="rId2"/>
-          <a:srcRect l="3390" t="29254" r="4082" b="32766"/>
-          <a:stretch/>
+          <a:stretch>
+            <a:fillRect/>
+          </a:stretch>
         </p:blipFill>
         <p:spPr>
           <a:xfrm>
-            <a:off x="1062989" y="2343150"/>
-            <a:ext cx="7006591" cy="2148840"/>
+            <a:off x="649722" y="616449"/>
+            <a:ext cx="6257925" cy="1666875"/>
           </a:xfrm>
           <a:prstGeom prst="rect">
             <a:avLst/>
@@ -4345,7 +3968,7 @@
     </p:spTree>
     <p:extLst>
       <p:ext uri="{BB962C8B-B14F-4D97-AF65-F5344CB8AC3E}">
-        <p14:creationId xmlns:p14="http://schemas.microsoft.com/office/powerpoint/2010/main" val="663278994"/>
+        <p14:creationId xmlns:p14="http://schemas.microsoft.com/office/powerpoint/2010/main" val="476202216"/>
       </p:ext>
     </p:extLst>
   </p:cSld>
